--- a/ppt 16-9/1069.我是一只笼中.pptx
+++ b/ppt 16-9/1069.我是一只笼中.pptx
@@ -129,7 +129,7 @@
           <p:cNvPr id="2" name="标题 1">
             <a:extLst>
               <a:ext uri="{FF2B5EF4-FFF2-40B4-BE49-F238E27FC236}">
-                <a16:creationId xmlns:a16="http://schemas.microsoft.com/office/drawing/2014/main" id="{B7B2CB12-6B8E-A225-6944-601328D9785D}"/>
+                <a16:creationId xmlns:a16="http://schemas.microsoft.com/office/drawing/2014/main" id="{9944DB68-9E29-47C7-7D8E-89A5A38AC621}"/>
               </a:ext>
             </a:extLst>
           </p:cNvPr>
@@ -166,7 +166,7 @@
           <p:cNvPr id="3" name="副标题 2">
             <a:extLst>
               <a:ext uri="{FF2B5EF4-FFF2-40B4-BE49-F238E27FC236}">
-                <a16:creationId xmlns:a16="http://schemas.microsoft.com/office/drawing/2014/main" id="{497E273E-8DA4-E7CB-1979-0369CDAEA9E6}"/>
+                <a16:creationId xmlns:a16="http://schemas.microsoft.com/office/drawing/2014/main" id="{9CCADEE1-895A-371C-3AFE-4C8561E192C9}"/>
               </a:ext>
             </a:extLst>
           </p:cNvPr>
@@ -236,7 +236,7 @@
           <p:cNvPr id="4" name="日期占位符 3">
             <a:extLst>
               <a:ext uri="{FF2B5EF4-FFF2-40B4-BE49-F238E27FC236}">
-                <a16:creationId xmlns:a16="http://schemas.microsoft.com/office/drawing/2014/main" id="{89EA54EF-B763-0506-3534-967CE366795E}"/>
+                <a16:creationId xmlns:a16="http://schemas.microsoft.com/office/drawing/2014/main" id="{8DAF724F-22B3-883C-D1A6-9109174DCA87}"/>
               </a:ext>
             </a:extLst>
           </p:cNvPr>
@@ -252,7 +252,7 @@
           <a:bodyPr/>
           <a:lstStyle/>
           <a:p>
-            <a:fld id="{4E290083-416E-4092-9F69-48441E2E783A}" type="datetimeFigureOut">
+            <a:fld id="{44C74DA7-3400-4742-8A36-3FECD35BFD80}" type="datetimeFigureOut">
               <a:rPr lang="zh-CN" altLang="en-US" smtClean="0"/>
               <a:t>2024/3/10</a:t>
             </a:fld>
@@ -265,7 +265,7 @@
           <p:cNvPr id="5" name="页脚占位符 4">
             <a:extLst>
               <a:ext uri="{FF2B5EF4-FFF2-40B4-BE49-F238E27FC236}">
-                <a16:creationId xmlns:a16="http://schemas.microsoft.com/office/drawing/2014/main" id="{406D8891-E38A-B3B4-1EF7-50E7E849EC2F}"/>
+                <a16:creationId xmlns:a16="http://schemas.microsoft.com/office/drawing/2014/main" id="{AFA0F7DA-9715-CD42-8C05-B42DACADB3B6}"/>
               </a:ext>
             </a:extLst>
           </p:cNvPr>
@@ -290,7 +290,7 @@
           <p:cNvPr id="6" name="灯片编号占位符 5">
             <a:extLst>
               <a:ext uri="{FF2B5EF4-FFF2-40B4-BE49-F238E27FC236}">
-                <a16:creationId xmlns:a16="http://schemas.microsoft.com/office/drawing/2014/main" id="{B467F140-1B2B-8FA5-6789-F9FCCE12F5B3}"/>
+                <a16:creationId xmlns:a16="http://schemas.microsoft.com/office/drawing/2014/main" id="{1C26FE53-2201-6A81-42DF-AAE26A1D521C}"/>
               </a:ext>
             </a:extLst>
           </p:cNvPr>
@@ -306,7 +306,7 @@
           <a:bodyPr/>
           <a:lstStyle/>
           <a:p>
-            <a:fld id="{22493253-DBF4-4FE6-A5DB-55A94354690E}" type="slidenum">
+            <a:fld id="{7883F8F6-89D9-49D5-A01C-BD2062095CBE}" type="slidenum">
               <a:rPr lang="zh-CN" altLang="en-US" smtClean="0"/>
               <a:t>‹#›</a:t>
             </a:fld>
@@ -317,7 +317,7 @@
     </p:spTree>
     <p:extLst>
       <p:ext uri="{BB962C8B-B14F-4D97-AF65-F5344CB8AC3E}">
-        <p14:creationId xmlns:p14="http://schemas.microsoft.com/office/powerpoint/2010/main" val="3535624115"/>
+        <p14:creationId xmlns:p14="http://schemas.microsoft.com/office/powerpoint/2010/main" val="2332109976"/>
       </p:ext>
     </p:extLst>
   </p:cSld>
@@ -349,7 +349,7 @@
           <p:cNvPr id="2" name="标题 1">
             <a:extLst>
               <a:ext uri="{FF2B5EF4-FFF2-40B4-BE49-F238E27FC236}">
-                <a16:creationId xmlns:a16="http://schemas.microsoft.com/office/drawing/2014/main" id="{EBA9A0F0-475F-83D6-E16A-31CA8490A01D}"/>
+                <a16:creationId xmlns:a16="http://schemas.microsoft.com/office/drawing/2014/main" id="{5463568C-3EE0-4B23-F0F0-833283200921}"/>
               </a:ext>
             </a:extLst>
           </p:cNvPr>
@@ -377,7 +377,7 @@
           <p:cNvPr id="3" name="竖排文字占位符 2">
             <a:extLst>
               <a:ext uri="{FF2B5EF4-FFF2-40B4-BE49-F238E27FC236}">
-                <a16:creationId xmlns:a16="http://schemas.microsoft.com/office/drawing/2014/main" id="{A021B5B5-F1A4-2A7F-3FE9-29933FF073A4}"/>
+                <a16:creationId xmlns:a16="http://schemas.microsoft.com/office/drawing/2014/main" id="{6CBBFCF1-6DBD-D9F3-BC91-B51374DF013C}"/>
               </a:ext>
             </a:extLst>
           </p:cNvPr>
@@ -434,7 +434,7 @@
           <p:cNvPr id="4" name="日期占位符 3">
             <a:extLst>
               <a:ext uri="{FF2B5EF4-FFF2-40B4-BE49-F238E27FC236}">
-                <a16:creationId xmlns:a16="http://schemas.microsoft.com/office/drawing/2014/main" id="{A8007A26-178A-E9A0-EB8B-D65A3565C23D}"/>
+                <a16:creationId xmlns:a16="http://schemas.microsoft.com/office/drawing/2014/main" id="{47FE0185-F9FF-699C-A3ED-EA1B92CCAA36}"/>
               </a:ext>
             </a:extLst>
           </p:cNvPr>
@@ -450,7 +450,7 @@
           <a:bodyPr/>
           <a:lstStyle/>
           <a:p>
-            <a:fld id="{4E290083-416E-4092-9F69-48441E2E783A}" type="datetimeFigureOut">
+            <a:fld id="{44C74DA7-3400-4742-8A36-3FECD35BFD80}" type="datetimeFigureOut">
               <a:rPr lang="zh-CN" altLang="en-US" smtClean="0"/>
               <a:t>2024/3/10</a:t>
             </a:fld>
@@ -463,7 +463,7 @@
           <p:cNvPr id="5" name="页脚占位符 4">
             <a:extLst>
               <a:ext uri="{FF2B5EF4-FFF2-40B4-BE49-F238E27FC236}">
-                <a16:creationId xmlns:a16="http://schemas.microsoft.com/office/drawing/2014/main" id="{F81853AE-8166-1B75-0403-CAC221648F90}"/>
+                <a16:creationId xmlns:a16="http://schemas.microsoft.com/office/drawing/2014/main" id="{E27CF8D1-E0CA-678E-67B9-F0DA6D6FDF64}"/>
               </a:ext>
             </a:extLst>
           </p:cNvPr>
@@ -488,7 +488,7 @@
           <p:cNvPr id="6" name="灯片编号占位符 5">
             <a:extLst>
               <a:ext uri="{FF2B5EF4-FFF2-40B4-BE49-F238E27FC236}">
-                <a16:creationId xmlns:a16="http://schemas.microsoft.com/office/drawing/2014/main" id="{A9081871-26CE-AC9D-F9ED-11B35BF6EAF0}"/>
+                <a16:creationId xmlns:a16="http://schemas.microsoft.com/office/drawing/2014/main" id="{0862FADF-ABE1-2AF4-AE4D-BB9C3591F5DA}"/>
               </a:ext>
             </a:extLst>
           </p:cNvPr>
@@ -504,7 +504,7 @@
           <a:bodyPr/>
           <a:lstStyle/>
           <a:p>
-            <a:fld id="{22493253-DBF4-4FE6-A5DB-55A94354690E}" type="slidenum">
+            <a:fld id="{7883F8F6-89D9-49D5-A01C-BD2062095CBE}" type="slidenum">
               <a:rPr lang="zh-CN" altLang="en-US" smtClean="0"/>
               <a:t>‹#›</a:t>
             </a:fld>
@@ -515,7 +515,7 @@
     </p:spTree>
     <p:extLst>
       <p:ext uri="{BB962C8B-B14F-4D97-AF65-F5344CB8AC3E}">
-        <p14:creationId xmlns:p14="http://schemas.microsoft.com/office/powerpoint/2010/main" val="3824491934"/>
+        <p14:creationId xmlns:p14="http://schemas.microsoft.com/office/powerpoint/2010/main" val="985523686"/>
       </p:ext>
     </p:extLst>
   </p:cSld>
@@ -547,7 +547,7 @@
           <p:cNvPr id="2" name="竖排标题 1">
             <a:extLst>
               <a:ext uri="{FF2B5EF4-FFF2-40B4-BE49-F238E27FC236}">
-                <a16:creationId xmlns:a16="http://schemas.microsoft.com/office/drawing/2014/main" id="{2BD2F351-6FE6-97F7-AC4C-107C32B2091D}"/>
+                <a16:creationId xmlns:a16="http://schemas.microsoft.com/office/drawing/2014/main" id="{BDB57F40-2010-4A49-98D7-7F7E52259FA0}"/>
               </a:ext>
             </a:extLst>
           </p:cNvPr>
@@ -580,7 +580,7 @@
           <p:cNvPr id="3" name="竖排文字占位符 2">
             <a:extLst>
               <a:ext uri="{FF2B5EF4-FFF2-40B4-BE49-F238E27FC236}">
-                <a16:creationId xmlns:a16="http://schemas.microsoft.com/office/drawing/2014/main" id="{98545A23-9DD9-266F-71DF-B22273D3C67F}"/>
+                <a16:creationId xmlns:a16="http://schemas.microsoft.com/office/drawing/2014/main" id="{D3BB99EC-F957-0830-874A-390DB08A8DA5}"/>
               </a:ext>
             </a:extLst>
           </p:cNvPr>
@@ -642,7 +642,7 @@
           <p:cNvPr id="4" name="日期占位符 3">
             <a:extLst>
               <a:ext uri="{FF2B5EF4-FFF2-40B4-BE49-F238E27FC236}">
-                <a16:creationId xmlns:a16="http://schemas.microsoft.com/office/drawing/2014/main" id="{400AE05C-97AC-C30C-BD8B-9B0DD21CD072}"/>
+                <a16:creationId xmlns:a16="http://schemas.microsoft.com/office/drawing/2014/main" id="{F78486F9-3941-2889-CE3C-18B8ABDD8C12}"/>
               </a:ext>
             </a:extLst>
           </p:cNvPr>
@@ -658,7 +658,7 @@
           <a:bodyPr/>
           <a:lstStyle/>
           <a:p>
-            <a:fld id="{4E290083-416E-4092-9F69-48441E2E783A}" type="datetimeFigureOut">
+            <a:fld id="{44C74DA7-3400-4742-8A36-3FECD35BFD80}" type="datetimeFigureOut">
               <a:rPr lang="zh-CN" altLang="en-US" smtClean="0"/>
               <a:t>2024/3/10</a:t>
             </a:fld>
@@ -671,7 +671,7 @@
           <p:cNvPr id="5" name="页脚占位符 4">
             <a:extLst>
               <a:ext uri="{FF2B5EF4-FFF2-40B4-BE49-F238E27FC236}">
-                <a16:creationId xmlns:a16="http://schemas.microsoft.com/office/drawing/2014/main" id="{59B6DA62-23D4-BAAA-E195-F5F946D039B0}"/>
+                <a16:creationId xmlns:a16="http://schemas.microsoft.com/office/drawing/2014/main" id="{16157DEA-B185-C57C-3262-2B755AD20E78}"/>
               </a:ext>
             </a:extLst>
           </p:cNvPr>
@@ -696,7 +696,7 @@
           <p:cNvPr id="6" name="灯片编号占位符 5">
             <a:extLst>
               <a:ext uri="{FF2B5EF4-FFF2-40B4-BE49-F238E27FC236}">
-                <a16:creationId xmlns:a16="http://schemas.microsoft.com/office/drawing/2014/main" id="{48F4BCDC-4C5D-7C84-C974-B5C3B5C69283}"/>
+                <a16:creationId xmlns:a16="http://schemas.microsoft.com/office/drawing/2014/main" id="{B003C085-1913-16A2-4534-2F167E79874F}"/>
               </a:ext>
             </a:extLst>
           </p:cNvPr>
@@ -712,7 +712,7 @@
           <a:bodyPr/>
           <a:lstStyle/>
           <a:p>
-            <a:fld id="{22493253-DBF4-4FE6-A5DB-55A94354690E}" type="slidenum">
+            <a:fld id="{7883F8F6-89D9-49D5-A01C-BD2062095CBE}" type="slidenum">
               <a:rPr lang="zh-CN" altLang="en-US" smtClean="0"/>
               <a:t>‹#›</a:t>
             </a:fld>
@@ -723,7 +723,7 @@
     </p:spTree>
     <p:extLst>
       <p:ext uri="{BB962C8B-B14F-4D97-AF65-F5344CB8AC3E}">
-        <p14:creationId xmlns:p14="http://schemas.microsoft.com/office/powerpoint/2010/main" val="802401469"/>
+        <p14:creationId xmlns:p14="http://schemas.microsoft.com/office/powerpoint/2010/main" val="159692278"/>
       </p:ext>
     </p:extLst>
   </p:cSld>
@@ -755,7 +755,7 @@
           <p:cNvPr id="2" name="标题 1">
             <a:extLst>
               <a:ext uri="{FF2B5EF4-FFF2-40B4-BE49-F238E27FC236}">
-                <a16:creationId xmlns:a16="http://schemas.microsoft.com/office/drawing/2014/main" id="{C7E30937-E4B7-BCF5-1F33-BAE0F356556C}"/>
+                <a16:creationId xmlns:a16="http://schemas.microsoft.com/office/drawing/2014/main" id="{B4FBA0B3-4747-112D-4C01-49183E59A7DC}"/>
               </a:ext>
             </a:extLst>
           </p:cNvPr>
@@ -783,7 +783,7 @@
           <p:cNvPr id="3" name="内容占位符 2">
             <a:extLst>
               <a:ext uri="{FF2B5EF4-FFF2-40B4-BE49-F238E27FC236}">
-                <a16:creationId xmlns:a16="http://schemas.microsoft.com/office/drawing/2014/main" id="{A2FC5F89-7A57-C1FF-9AB3-96FF8F9A2BB5}"/>
+                <a16:creationId xmlns:a16="http://schemas.microsoft.com/office/drawing/2014/main" id="{D64E2176-1F9D-C735-511F-D6CB49F9C945}"/>
               </a:ext>
             </a:extLst>
           </p:cNvPr>
@@ -840,7 +840,7 @@
           <p:cNvPr id="4" name="日期占位符 3">
             <a:extLst>
               <a:ext uri="{FF2B5EF4-FFF2-40B4-BE49-F238E27FC236}">
-                <a16:creationId xmlns:a16="http://schemas.microsoft.com/office/drawing/2014/main" id="{FB6791E0-3868-A240-62E9-2C39A1AF1DE3}"/>
+                <a16:creationId xmlns:a16="http://schemas.microsoft.com/office/drawing/2014/main" id="{8FE73175-4A6F-790E-7FF2-3FFCADF3EFAF}"/>
               </a:ext>
             </a:extLst>
           </p:cNvPr>
@@ -856,7 +856,7 @@
           <a:bodyPr/>
           <a:lstStyle/>
           <a:p>
-            <a:fld id="{4E290083-416E-4092-9F69-48441E2E783A}" type="datetimeFigureOut">
+            <a:fld id="{44C74DA7-3400-4742-8A36-3FECD35BFD80}" type="datetimeFigureOut">
               <a:rPr lang="zh-CN" altLang="en-US" smtClean="0"/>
               <a:t>2024/3/10</a:t>
             </a:fld>
@@ -869,7 +869,7 @@
           <p:cNvPr id="5" name="页脚占位符 4">
             <a:extLst>
               <a:ext uri="{FF2B5EF4-FFF2-40B4-BE49-F238E27FC236}">
-                <a16:creationId xmlns:a16="http://schemas.microsoft.com/office/drawing/2014/main" id="{8AB69C94-0728-5DD1-9CF5-A84E8A806291}"/>
+                <a16:creationId xmlns:a16="http://schemas.microsoft.com/office/drawing/2014/main" id="{B1C5AB29-2CC2-D7C7-F0B1-36F37D64F366}"/>
               </a:ext>
             </a:extLst>
           </p:cNvPr>
@@ -894,7 +894,7 @@
           <p:cNvPr id="6" name="灯片编号占位符 5">
             <a:extLst>
               <a:ext uri="{FF2B5EF4-FFF2-40B4-BE49-F238E27FC236}">
-                <a16:creationId xmlns:a16="http://schemas.microsoft.com/office/drawing/2014/main" id="{A622DE50-5D02-C853-FF97-03AB411A7F22}"/>
+                <a16:creationId xmlns:a16="http://schemas.microsoft.com/office/drawing/2014/main" id="{1B19B12F-1B24-F80B-1C29-1630607F4617}"/>
               </a:ext>
             </a:extLst>
           </p:cNvPr>
@@ -910,7 +910,7 @@
           <a:bodyPr/>
           <a:lstStyle/>
           <a:p>
-            <a:fld id="{22493253-DBF4-4FE6-A5DB-55A94354690E}" type="slidenum">
+            <a:fld id="{7883F8F6-89D9-49D5-A01C-BD2062095CBE}" type="slidenum">
               <a:rPr lang="zh-CN" altLang="en-US" smtClean="0"/>
               <a:t>‹#›</a:t>
             </a:fld>
@@ -921,7 +921,7 @@
     </p:spTree>
     <p:extLst>
       <p:ext uri="{BB962C8B-B14F-4D97-AF65-F5344CB8AC3E}">
-        <p14:creationId xmlns:p14="http://schemas.microsoft.com/office/powerpoint/2010/main" val="126776911"/>
+        <p14:creationId xmlns:p14="http://schemas.microsoft.com/office/powerpoint/2010/main" val="23545463"/>
       </p:ext>
     </p:extLst>
   </p:cSld>
@@ -953,7 +953,7 @@
           <p:cNvPr id="2" name="标题 1">
             <a:extLst>
               <a:ext uri="{FF2B5EF4-FFF2-40B4-BE49-F238E27FC236}">
-                <a16:creationId xmlns:a16="http://schemas.microsoft.com/office/drawing/2014/main" id="{77496FDD-FE39-812E-8F35-351533078C88}"/>
+                <a16:creationId xmlns:a16="http://schemas.microsoft.com/office/drawing/2014/main" id="{48980F1D-4C1F-4E31-EA9A-FAA730266318}"/>
               </a:ext>
             </a:extLst>
           </p:cNvPr>
@@ -990,7 +990,7 @@
           <p:cNvPr id="3" name="文本占位符 2">
             <a:extLst>
               <a:ext uri="{FF2B5EF4-FFF2-40B4-BE49-F238E27FC236}">
-                <a16:creationId xmlns:a16="http://schemas.microsoft.com/office/drawing/2014/main" id="{E6F43ECC-A245-0053-2CE3-978E1AEF9828}"/>
+                <a16:creationId xmlns:a16="http://schemas.microsoft.com/office/drawing/2014/main" id="{0D632C46-4944-867F-8305-EFACF5C3090B}"/>
               </a:ext>
             </a:extLst>
           </p:cNvPr>
@@ -1115,7 +1115,7 @@
           <p:cNvPr id="4" name="日期占位符 3">
             <a:extLst>
               <a:ext uri="{FF2B5EF4-FFF2-40B4-BE49-F238E27FC236}">
-                <a16:creationId xmlns:a16="http://schemas.microsoft.com/office/drawing/2014/main" id="{32F7C14D-B9DC-3316-37F5-7CBED6419E9B}"/>
+                <a16:creationId xmlns:a16="http://schemas.microsoft.com/office/drawing/2014/main" id="{E005B252-2D33-475E-310E-8B8150411009}"/>
               </a:ext>
             </a:extLst>
           </p:cNvPr>
@@ -1131,7 +1131,7 @@
           <a:bodyPr/>
           <a:lstStyle/>
           <a:p>
-            <a:fld id="{4E290083-416E-4092-9F69-48441E2E783A}" type="datetimeFigureOut">
+            <a:fld id="{44C74DA7-3400-4742-8A36-3FECD35BFD80}" type="datetimeFigureOut">
               <a:rPr lang="zh-CN" altLang="en-US" smtClean="0"/>
               <a:t>2024/3/10</a:t>
             </a:fld>
@@ -1144,7 +1144,7 @@
           <p:cNvPr id="5" name="页脚占位符 4">
             <a:extLst>
               <a:ext uri="{FF2B5EF4-FFF2-40B4-BE49-F238E27FC236}">
-                <a16:creationId xmlns:a16="http://schemas.microsoft.com/office/drawing/2014/main" id="{21C40821-7AE5-7A6E-CD64-96B0A4EBA791}"/>
+                <a16:creationId xmlns:a16="http://schemas.microsoft.com/office/drawing/2014/main" id="{83564FCB-24EB-4228-9632-E480C4E67FC4}"/>
               </a:ext>
             </a:extLst>
           </p:cNvPr>
@@ -1169,7 +1169,7 @@
           <p:cNvPr id="6" name="灯片编号占位符 5">
             <a:extLst>
               <a:ext uri="{FF2B5EF4-FFF2-40B4-BE49-F238E27FC236}">
-                <a16:creationId xmlns:a16="http://schemas.microsoft.com/office/drawing/2014/main" id="{34524D67-5B4B-03CF-C598-5F9D9094D4D2}"/>
+                <a16:creationId xmlns:a16="http://schemas.microsoft.com/office/drawing/2014/main" id="{9296CB05-DB55-010E-5426-52DF821CA68A}"/>
               </a:ext>
             </a:extLst>
           </p:cNvPr>
@@ -1185,7 +1185,7 @@
           <a:bodyPr/>
           <a:lstStyle/>
           <a:p>
-            <a:fld id="{22493253-DBF4-4FE6-A5DB-55A94354690E}" type="slidenum">
+            <a:fld id="{7883F8F6-89D9-49D5-A01C-BD2062095CBE}" type="slidenum">
               <a:rPr lang="zh-CN" altLang="en-US" smtClean="0"/>
               <a:t>‹#›</a:t>
             </a:fld>
@@ -1196,7 +1196,7 @@
     </p:spTree>
     <p:extLst>
       <p:ext uri="{BB962C8B-B14F-4D97-AF65-F5344CB8AC3E}">
-        <p14:creationId xmlns:p14="http://schemas.microsoft.com/office/powerpoint/2010/main" val="1364019930"/>
+        <p14:creationId xmlns:p14="http://schemas.microsoft.com/office/powerpoint/2010/main" val="4011072631"/>
       </p:ext>
     </p:extLst>
   </p:cSld>
@@ -1228,7 +1228,7 @@
           <p:cNvPr id="2" name="标题 1">
             <a:extLst>
               <a:ext uri="{FF2B5EF4-FFF2-40B4-BE49-F238E27FC236}">
-                <a16:creationId xmlns:a16="http://schemas.microsoft.com/office/drawing/2014/main" id="{5AC4C944-B4FC-E894-4BA8-9AB54546FC62}"/>
+                <a16:creationId xmlns:a16="http://schemas.microsoft.com/office/drawing/2014/main" id="{8F3D1B37-9880-750C-16F9-782C7E6E7C71}"/>
               </a:ext>
             </a:extLst>
           </p:cNvPr>
@@ -1256,7 +1256,7 @@
           <p:cNvPr id="3" name="内容占位符 2">
             <a:extLst>
               <a:ext uri="{FF2B5EF4-FFF2-40B4-BE49-F238E27FC236}">
-                <a16:creationId xmlns:a16="http://schemas.microsoft.com/office/drawing/2014/main" id="{90EFCC44-238C-CA11-F82E-35F9754DC870}"/>
+                <a16:creationId xmlns:a16="http://schemas.microsoft.com/office/drawing/2014/main" id="{44DF3A02-B118-5CCA-6BE4-2C1136BA05D3}"/>
               </a:ext>
             </a:extLst>
           </p:cNvPr>
@@ -1318,7 +1318,7 @@
           <p:cNvPr id="4" name="内容占位符 3">
             <a:extLst>
               <a:ext uri="{FF2B5EF4-FFF2-40B4-BE49-F238E27FC236}">
-                <a16:creationId xmlns:a16="http://schemas.microsoft.com/office/drawing/2014/main" id="{6BA247A4-C59A-D825-5417-A84C0EB50141}"/>
+                <a16:creationId xmlns:a16="http://schemas.microsoft.com/office/drawing/2014/main" id="{3C8627DD-2160-F621-D9EC-66F72274B46F}"/>
               </a:ext>
             </a:extLst>
           </p:cNvPr>
@@ -1380,7 +1380,7 @@
           <p:cNvPr id="5" name="日期占位符 4">
             <a:extLst>
               <a:ext uri="{FF2B5EF4-FFF2-40B4-BE49-F238E27FC236}">
-                <a16:creationId xmlns:a16="http://schemas.microsoft.com/office/drawing/2014/main" id="{1F31FCDB-28B1-E590-1B83-15E545F1FC40}"/>
+                <a16:creationId xmlns:a16="http://schemas.microsoft.com/office/drawing/2014/main" id="{F6E6B572-E8FF-0255-C5EB-A0E5758A5C12}"/>
               </a:ext>
             </a:extLst>
           </p:cNvPr>
@@ -1396,7 +1396,7 @@
           <a:bodyPr/>
           <a:lstStyle/>
           <a:p>
-            <a:fld id="{4E290083-416E-4092-9F69-48441E2E783A}" type="datetimeFigureOut">
+            <a:fld id="{44C74DA7-3400-4742-8A36-3FECD35BFD80}" type="datetimeFigureOut">
               <a:rPr lang="zh-CN" altLang="en-US" smtClean="0"/>
               <a:t>2024/3/10</a:t>
             </a:fld>
@@ -1409,7 +1409,7 @@
           <p:cNvPr id="6" name="页脚占位符 5">
             <a:extLst>
               <a:ext uri="{FF2B5EF4-FFF2-40B4-BE49-F238E27FC236}">
-                <a16:creationId xmlns:a16="http://schemas.microsoft.com/office/drawing/2014/main" id="{0A2D5779-CF46-FD72-7F05-A1B131736468}"/>
+                <a16:creationId xmlns:a16="http://schemas.microsoft.com/office/drawing/2014/main" id="{CA202ABF-F90A-25EF-DDFD-2F149F92573F}"/>
               </a:ext>
             </a:extLst>
           </p:cNvPr>
@@ -1434,7 +1434,7 @@
           <p:cNvPr id="7" name="灯片编号占位符 6">
             <a:extLst>
               <a:ext uri="{FF2B5EF4-FFF2-40B4-BE49-F238E27FC236}">
-                <a16:creationId xmlns:a16="http://schemas.microsoft.com/office/drawing/2014/main" id="{85E01B8D-F4B3-8F48-D3C7-B5E6BC08B5D8}"/>
+                <a16:creationId xmlns:a16="http://schemas.microsoft.com/office/drawing/2014/main" id="{10C8412F-E3A0-2F6B-A7EB-ABD4349D0811}"/>
               </a:ext>
             </a:extLst>
           </p:cNvPr>
@@ -1450,7 +1450,7 @@
           <a:bodyPr/>
           <a:lstStyle/>
           <a:p>
-            <a:fld id="{22493253-DBF4-4FE6-A5DB-55A94354690E}" type="slidenum">
+            <a:fld id="{7883F8F6-89D9-49D5-A01C-BD2062095CBE}" type="slidenum">
               <a:rPr lang="zh-CN" altLang="en-US" smtClean="0"/>
               <a:t>‹#›</a:t>
             </a:fld>
@@ -1461,7 +1461,7 @@
     </p:spTree>
     <p:extLst>
       <p:ext uri="{BB962C8B-B14F-4D97-AF65-F5344CB8AC3E}">
-        <p14:creationId xmlns:p14="http://schemas.microsoft.com/office/powerpoint/2010/main" val="732846772"/>
+        <p14:creationId xmlns:p14="http://schemas.microsoft.com/office/powerpoint/2010/main" val="574915274"/>
       </p:ext>
     </p:extLst>
   </p:cSld>
@@ -1493,7 +1493,7 @@
           <p:cNvPr id="2" name="标题 1">
             <a:extLst>
               <a:ext uri="{FF2B5EF4-FFF2-40B4-BE49-F238E27FC236}">
-                <a16:creationId xmlns:a16="http://schemas.microsoft.com/office/drawing/2014/main" id="{B4907827-C279-EBB6-84BA-E151BCE7242A}"/>
+                <a16:creationId xmlns:a16="http://schemas.microsoft.com/office/drawing/2014/main" id="{5D207179-0B05-F581-AFB3-2B17D0100F8C}"/>
               </a:ext>
             </a:extLst>
           </p:cNvPr>
@@ -1526,7 +1526,7 @@
           <p:cNvPr id="3" name="文本占位符 2">
             <a:extLst>
               <a:ext uri="{FF2B5EF4-FFF2-40B4-BE49-F238E27FC236}">
-                <a16:creationId xmlns:a16="http://schemas.microsoft.com/office/drawing/2014/main" id="{05AAF68C-8720-D343-DC72-56AE690ACF7E}"/>
+                <a16:creationId xmlns:a16="http://schemas.microsoft.com/office/drawing/2014/main" id="{2DE5CA44-30D0-C336-96F8-B23F20391F6F}"/>
               </a:ext>
             </a:extLst>
           </p:cNvPr>
@@ -1597,7 +1597,7 @@
           <p:cNvPr id="4" name="内容占位符 3">
             <a:extLst>
               <a:ext uri="{FF2B5EF4-FFF2-40B4-BE49-F238E27FC236}">
-                <a16:creationId xmlns:a16="http://schemas.microsoft.com/office/drawing/2014/main" id="{384EC49C-7514-DF2A-597C-91E8428F9DC2}"/>
+                <a16:creationId xmlns:a16="http://schemas.microsoft.com/office/drawing/2014/main" id="{59A3F735-075C-D92E-9B57-7058EFF2D640}"/>
               </a:ext>
             </a:extLst>
           </p:cNvPr>
@@ -1659,7 +1659,7 @@
           <p:cNvPr id="5" name="文本占位符 4">
             <a:extLst>
               <a:ext uri="{FF2B5EF4-FFF2-40B4-BE49-F238E27FC236}">
-                <a16:creationId xmlns:a16="http://schemas.microsoft.com/office/drawing/2014/main" id="{1DF24D48-0B80-ACFD-3FFE-E8ECCCDEAF92}"/>
+                <a16:creationId xmlns:a16="http://schemas.microsoft.com/office/drawing/2014/main" id="{B89BDD43-6A48-D048-2B13-0673AEFB02B4}"/>
               </a:ext>
             </a:extLst>
           </p:cNvPr>
@@ -1730,7 +1730,7 @@
           <p:cNvPr id="6" name="内容占位符 5">
             <a:extLst>
               <a:ext uri="{FF2B5EF4-FFF2-40B4-BE49-F238E27FC236}">
-                <a16:creationId xmlns:a16="http://schemas.microsoft.com/office/drawing/2014/main" id="{72AB8EC9-5E04-C191-624A-5F8B57F6233D}"/>
+                <a16:creationId xmlns:a16="http://schemas.microsoft.com/office/drawing/2014/main" id="{0058C579-C46C-9F34-0A7B-7FA250D1281C}"/>
               </a:ext>
             </a:extLst>
           </p:cNvPr>
@@ -1792,7 +1792,7 @@
           <p:cNvPr id="7" name="日期占位符 6">
             <a:extLst>
               <a:ext uri="{FF2B5EF4-FFF2-40B4-BE49-F238E27FC236}">
-                <a16:creationId xmlns:a16="http://schemas.microsoft.com/office/drawing/2014/main" id="{217C5DDB-EB05-B76A-5F7D-5DB61F4A258D}"/>
+                <a16:creationId xmlns:a16="http://schemas.microsoft.com/office/drawing/2014/main" id="{D44BD094-6233-4253-946E-5BD099D12E2E}"/>
               </a:ext>
             </a:extLst>
           </p:cNvPr>
@@ -1808,7 +1808,7 @@
           <a:bodyPr/>
           <a:lstStyle/>
           <a:p>
-            <a:fld id="{4E290083-416E-4092-9F69-48441E2E783A}" type="datetimeFigureOut">
+            <a:fld id="{44C74DA7-3400-4742-8A36-3FECD35BFD80}" type="datetimeFigureOut">
               <a:rPr lang="zh-CN" altLang="en-US" smtClean="0"/>
               <a:t>2024/3/10</a:t>
             </a:fld>
@@ -1821,7 +1821,7 @@
           <p:cNvPr id="8" name="页脚占位符 7">
             <a:extLst>
               <a:ext uri="{FF2B5EF4-FFF2-40B4-BE49-F238E27FC236}">
-                <a16:creationId xmlns:a16="http://schemas.microsoft.com/office/drawing/2014/main" id="{0CC524EF-2B63-EE3F-4A79-BC7B53E14C38}"/>
+                <a16:creationId xmlns:a16="http://schemas.microsoft.com/office/drawing/2014/main" id="{11C5DF82-7F30-E418-030F-AFA074077593}"/>
               </a:ext>
             </a:extLst>
           </p:cNvPr>
@@ -1846,7 +1846,7 @@
           <p:cNvPr id="9" name="灯片编号占位符 8">
             <a:extLst>
               <a:ext uri="{FF2B5EF4-FFF2-40B4-BE49-F238E27FC236}">
-                <a16:creationId xmlns:a16="http://schemas.microsoft.com/office/drawing/2014/main" id="{AA5D7D76-185C-2053-3EF4-526CF36263C2}"/>
+                <a16:creationId xmlns:a16="http://schemas.microsoft.com/office/drawing/2014/main" id="{29997513-968C-2FF5-2575-E3EBA386EC49}"/>
               </a:ext>
             </a:extLst>
           </p:cNvPr>
@@ -1862,7 +1862,7 @@
           <a:bodyPr/>
           <a:lstStyle/>
           <a:p>
-            <a:fld id="{22493253-DBF4-4FE6-A5DB-55A94354690E}" type="slidenum">
+            <a:fld id="{7883F8F6-89D9-49D5-A01C-BD2062095CBE}" type="slidenum">
               <a:rPr lang="zh-CN" altLang="en-US" smtClean="0"/>
               <a:t>‹#›</a:t>
             </a:fld>
@@ -1873,7 +1873,7 @@
     </p:spTree>
     <p:extLst>
       <p:ext uri="{BB962C8B-B14F-4D97-AF65-F5344CB8AC3E}">
-        <p14:creationId xmlns:p14="http://schemas.microsoft.com/office/powerpoint/2010/main" val="3005726551"/>
+        <p14:creationId xmlns:p14="http://schemas.microsoft.com/office/powerpoint/2010/main" val="329972666"/>
       </p:ext>
     </p:extLst>
   </p:cSld>
@@ -1905,7 +1905,7 @@
           <p:cNvPr id="2" name="标题 1">
             <a:extLst>
               <a:ext uri="{FF2B5EF4-FFF2-40B4-BE49-F238E27FC236}">
-                <a16:creationId xmlns:a16="http://schemas.microsoft.com/office/drawing/2014/main" id="{CE973095-D5AC-74C9-A202-0AC04D91183F}"/>
+                <a16:creationId xmlns:a16="http://schemas.microsoft.com/office/drawing/2014/main" id="{9A4A76DC-3FBB-037B-F07E-6877E2420016}"/>
               </a:ext>
             </a:extLst>
           </p:cNvPr>
@@ -1933,7 +1933,7 @@
           <p:cNvPr id="3" name="日期占位符 2">
             <a:extLst>
               <a:ext uri="{FF2B5EF4-FFF2-40B4-BE49-F238E27FC236}">
-                <a16:creationId xmlns:a16="http://schemas.microsoft.com/office/drawing/2014/main" id="{26D92817-C557-4178-9A8D-7752A643452D}"/>
+                <a16:creationId xmlns:a16="http://schemas.microsoft.com/office/drawing/2014/main" id="{D8C9EBB2-4C68-5541-6094-B23C54CD8EED}"/>
               </a:ext>
             </a:extLst>
           </p:cNvPr>
@@ -1949,7 +1949,7 @@
           <a:bodyPr/>
           <a:lstStyle/>
           <a:p>
-            <a:fld id="{4E290083-416E-4092-9F69-48441E2E783A}" type="datetimeFigureOut">
+            <a:fld id="{44C74DA7-3400-4742-8A36-3FECD35BFD80}" type="datetimeFigureOut">
               <a:rPr lang="zh-CN" altLang="en-US" smtClean="0"/>
               <a:t>2024/3/10</a:t>
             </a:fld>
@@ -1962,7 +1962,7 @@
           <p:cNvPr id="4" name="页脚占位符 3">
             <a:extLst>
               <a:ext uri="{FF2B5EF4-FFF2-40B4-BE49-F238E27FC236}">
-                <a16:creationId xmlns:a16="http://schemas.microsoft.com/office/drawing/2014/main" id="{110BF89C-0411-8A05-A0BA-A1012FBD221E}"/>
+                <a16:creationId xmlns:a16="http://schemas.microsoft.com/office/drawing/2014/main" id="{B091A3D9-7A37-53A8-032C-9A5C9A27C47F}"/>
               </a:ext>
             </a:extLst>
           </p:cNvPr>
@@ -1987,7 +1987,7 @@
           <p:cNvPr id="5" name="灯片编号占位符 4">
             <a:extLst>
               <a:ext uri="{FF2B5EF4-FFF2-40B4-BE49-F238E27FC236}">
-                <a16:creationId xmlns:a16="http://schemas.microsoft.com/office/drawing/2014/main" id="{79E4E363-B784-6128-BB0D-8B583B015F86}"/>
+                <a16:creationId xmlns:a16="http://schemas.microsoft.com/office/drawing/2014/main" id="{894A3B52-DB99-2D81-064D-1F8E703BA133}"/>
               </a:ext>
             </a:extLst>
           </p:cNvPr>
@@ -2003,7 +2003,7 @@
           <a:bodyPr/>
           <a:lstStyle/>
           <a:p>
-            <a:fld id="{22493253-DBF4-4FE6-A5DB-55A94354690E}" type="slidenum">
+            <a:fld id="{7883F8F6-89D9-49D5-A01C-BD2062095CBE}" type="slidenum">
               <a:rPr lang="zh-CN" altLang="en-US" smtClean="0"/>
               <a:t>‹#›</a:t>
             </a:fld>
@@ -2014,7 +2014,7 @@
     </p:spTree>
     <p:extLst>
       <p:ext uri="{BB962C8B-B14F-4D97-AF65-F5344CB8AC3E}">
-        <p14:creationId xmlns:p14="http://schemas.microsoft.com/office/powerpoint/2010/main" val="54359531"/>
+        <p14:creationId xmlns:p14="http://schemas.microsoft.com/office/powerpoint/2010/main" val="4091377318"/>
       </p:ext>
     </p:extLst>
   </p:cSld>
@@ -2046,7 +2046,7 @@
           <p:cNvPr id="2" name="日期占位符 1">
             <a:extLst>
               <a:ext uri="{FF2B5EF4-FFF2-40B4-BE49-F238E27FC236}">
-                <a16:creationId xmlns:a16="http://schemas.microsoft.com/office/drawing/2014/main" id="{725E0C51-38BD-D805-4BE1-B37E0D2B1789}"/>
+                <a16:creationId xmlns:a16="http://schemas.microsoft.com/office/drawing/2014/main" id="{D81E8B8E-21F3-D717-CFC4-0EFE37AA75EC}"/>
               </a:ext>
             </a:extLst>
           </p:cNvPr>
@@ -2062,7 +2062,7 @@
           <a:bodyPr/>
           <a:lstStyle/>
           <a:p>
-            <a:fld id="{4E290083-416E-4092-9F69-48441E2E783A}" type="datetimeFigureOut">
+            <a:fld id="{44C74DA7-3400-4742-8A36-3FECD35BFD80}" type="datetimeFigureOut">
               <a:rPr lang="zh-CN" altLang="en-US" smtClean="0"/>
               <a:t>2024/3/10</a:t>
             </a:fld>
@@ -2075,7 +2075,7 @@
           <p:cNvPr id="3" name="页脚占位符 2">
             <a:extLst>
               <a:ext uri="{FF2B5EF4-FFF2-40B4-BE49-F238E27FC236}">
-                <a16:creationId xmlns:a16="http://schemas.microsoft.com/office/drawing/2014/main" id="{39856206-CA84-96BC-AE29-921B283DF679}"/>
+                <a16:creationId xmlns:a16="http://schemas.microsoft.com/office/drawing/2014/main" id="{8543EFC6-C865-0CAF-0714-4320FD312696}"/>
               </a:ext>
             </a:extLst>
           </p:cNvPr>
@@ -2100,7 +2100,7 @@
           <p:cNvPr id="4" name="灯片编号占位符 3">
             <a:extLst>
               <a:ext uri="{FF2B5EF4-FFF2-40B4-BE49-F238E27FC236}">
-                <a16:creationId xmlns:a16="http://schemas.microsoft.com/office/drawing/2014/main" id="{9516F838-C75A-F359-ADB4-CCF126DDB535}"/>
+                <a16:creationId xmlns:a16="http://schemas.microsoft.com/office/drawing/2014/main" id="{6A1B757C-CC26-0F6E-59D0-64239368D900}"/>
               </a:ext>
             </a:extLst>
           </p:cNvPr>
@@ -2116,7 +2116,7 @@
           <a:bodyPr/>
           <a:lstStyle/>
           <a:p>
-            <a:fld id="{22493253-DBF4-4FE6-A5DB-55A94354690E}" type="slidenum">
+            <a:fld id="{7883F8F6-89D9-49D5-A01C-BD2062095CBE}" type="slidenum">
               <a:rPr lang="zh-CN" altLang="en-US" smtClean="0"/>
               <a:t>‹#›</a:t>
             </a:fld>
@@ -2127,7 +2127,7 @@
     </p:spTree>
     <p:extLst>
       <p:ext uri="{BB962C8B-B14F-4D97-AF65-F5344CB8AC3E}">
-        <p14:creationId xmlns:p14="http://schemas.microsoft.com/office/powerpoint/2010/main" val="2897744481"/>
+        <p14:creationId xmlns:p14="http://schemas.microsoft.com/office/powerpoint/2010/main" val="1216405606"/>
       </p:ext>
     </p:extLst>
   </p:cSld>
@@ -2159,7 +2159,7 @@
           <p:cNvPr id="2" name="标题 1">
             <a:extLst>
               <a:ext uri="{FF2B5EF4-FFF2-40B4-BE49-F238E27FC236}">
-                <a16:creationId xmlns:a16="http://schemas.microsoft.com/office/drawing/2014/main" id="{ADB90F10-FAFA-551C-5537-572D7C78B847}"/>
+                <a16:creationId xmlns:a16="http://schemas.microsoft.com/office/drawing/2014/main" id="{FBA52A3B-314B-8139-5421-BB2C618F4D85}"/>
               </a:ext>
             </a:extLst>
           </p:cNvPr>
@@ -2196,7 +2196,7 @@
           <p:cNvPr id="3" name="内容占位符 2">
             <a:extLst>
               <a:ext uri="{FF2B5EF4-FFF2-40B4-BE49-F238E27FC236}">
-                <a16:creationId xmlns:a16="http://schemas.microsoft.com/office/drawing/2014/main" id="{4D215F67-8611-B497-CC79-64BFCB5D204C}"/>
+                <a16:creationId xmlns:a16="http://schemas.microsoft.com/office/drawing/2014/main" id="{0DEC217D-2B04-34E5-3821-60E70B4E17BE}"/>
               </a:ext>
             </a:extLst>
           </p:cNvPr>
@@ -2286,7 +2286,7 @@
           <p:cNvPr id="4" name="文本占位符 3">
             <a:extLst>
               <a:ext uri="{FF2B5EF4-FFF2-40B4-BE49-F238E27FC236}">
-                <a16:creationId xmlns:a16="http://schemas.microsoft.com/office/drawing/2014/main" id="{FA82220F-7857-C0CB-8558-D0AF22E79752}"/>
+                <a16:creationId xmlns:a16="http://schemas.microsoft.com/office/drawing/2014/main" id="{0B4EB8D7-AEF7-0B60-0541-A1BD2E7AA389}"/>
               </a:ext>
             </a:extLst>
           </p:cNvPr>
@@ -2357,7 +2357,7 @@
           <p:cNvPr id="5" name="日期占位符 4">
             <a:extLst>
               <a:ext uri="{FF2B5EF4-FFF2-40B4-BE49-F238E27FC236}">
-                <a16:creationId xmlns:a16="http://schemas.microsoft.com/office/drawing/2014/main" id="{27300C18-D26B-D18A-9046-67D50AAE038B}"/>
+                <a16:creationId xmlns:a16="http://schemas.microsoft.com/office/drawing/2014/main" id="{2E1411B1-8B33-01C6-73F7-D5F14726CF0E}"/>
               </a:ext>
             </a:extLst>
           </p:cNvPr>
@@ -2373,7 +2373,7 @@
           <a:bodyPr/>
           <a:lstStyle/>
           <a:p>
-            <a:fld id="{4E290083-416E-4092-9F69-48441E2E783A}" type="datetimeFigureOut">
+            <a:fld id="{44C74DA7-3400-4742-8A36-3FECD35BFD80}" type="datetimeFigureOut">
               <a:rPr lang="zh-CN" altLang="en-US" smtClean="0"/>
               <a:t>2024/3/10</a:t>
             </a:fld>
@@ -2386,7 +2386,7 @@
           <p:cNvPr id="6" name="页脚占位符 5">
             <a:extLst>
               <a:ext uri="{FF2B5EF4-FFF2-40B4-BE49-F238E27FC236}">
-                <a16:creationId xmlns:a16="http://schemas.microsoft.com/office/drawing/2014/main" id="{72295B15-4BD8-8886-640F-EE2F9E38A847}"/>
+                <a16:creationId xmlns:a16="http://schemas.microsoft.com/office/drawing/2014/main" id="{88327F0A-3D28-E54A-A417-179ED9AAED7F}"/>
               </a:ext>
             </a:extLst>
           </p:cNvPr>
@@ -2411,7 +2411,7 @@
           <p:cNvPr id="7" name="灯片编号占位符 6">
             <a:extLst>
               <a:ext uri="{FF2B5EF4-FFF2-40B4-BE49-F238E27FC236}">
-                <a16:creationId xmlns:a16="http://schemas.microsoft.com/office/drawing/2014/main" id="{EC2A4503-5F34-C3D2-0CBF-F6BD059855EF}"/>
+                <a16:creationId xmlns:a16="http://schemas.microsoft.com/office/drawing/2014/main" id="{FC373D05-804F-3FF0-551C-2A5E86F18A44}"/>
               </a:ext>
             </a:extLst>
           </p:cNvPr>
@@ -2427,7 +2427,7 @@
           <a:bodyPr/>
           <a:lstStyle/>
           <a:p>
-            <a:fld id="{22493253-DBF4-4FE6-A5DB-55A94354690E}" type="slidenum">
+            <a:fld id="{7883F8F6-89D9-49D5-A01C-BD2062095CBE}" type="slidenum">
               <a:rPr lang="zh-CN" altLang="en-US" smtClean="0"/>
               <a:t>‹#›</a:t>
             </a:fld>
@@ -2438,7 +2438,7 @@
     </p:spTree>
     <p:extLst>
       <p:ext uri="{BB962C8B-B14F-4D97-AF65-F5344CB8AC3E}">
-        <p14:creationId xmlns:p14="http://schemas.microsoft.com/office/powerpoint/2010/main" val="3435126810"/>
+        <p14:creationId xmlns:p14="http://schemas.microsoft.com/office/powerpoint/2010/main" val="3885283106"/>
       </p:ext>
     </p:extLst>
   </p:cSld>
@@ -2470,7 +2470,7 @@
           <p:cNvPr id="2" name="标题 1">
             <a:extLst>
               <a:ext uri="{FF2B5EF4-FFF2-40B4-BE49-F238E27FC236}">
-                <a16:creationId xmlns:a16="http://schemas.microsoft.com/office/drawing/2014/main" id="{8FD0B5EA-D9A0-8B89-A809-6FA3C317A908}"/>
+                <a16:creationId xmlns:a16="http://schemas.microsoft.com/office/drawing/2014/main" id="{DC54F7C5-63FA-C120-30D6-0F979C1D2B20}"/>
               </a:ext>
             </a:extLst>
           </p:cNvPr>
@@ -2507,7 +2507,7 @@
           <p:cNvPr id="3" name="图片占位符 2">
             <a:extLst>
               <a:ext uri="{FF2B5EF4-FFF2-40B4-BE49-F238E27FC236}">
-                <a16:creationId xmlns:a16="http://schemas.microsoft.com/office/drawing/2014/main" id="{92D2548B-6075-E345-BF3D-D37B115DEAC4}"/>
+                <a16:creationId xmlns:a16="http://schemas.microsoft.com/office/drawing/2014/main" id="{4B4823B5-50D7-CCD0-C172-F83218291E92}"/>
               </a:ext>
             </a:extLst>
           </p:cNvPr>
@@ -2574,7 +2574,7 @@
           <p:cNvPr id="4" name="文本占位符 3">
             <a:extLst>
               <a:ext uri="{FF2B5EF4-FFF2-40B4-BE49-F238E27FC236}">
-                <a16:creationId xmlns:a16="http://schemas.microsoft.com/office/drawing/2014/main" id="{49963A8C-DDD7-121F-A425-77767D20D60B}"/>
+                <a16:creationId xmlns:a16="http://schemas.microsoft.com/office/drawing/2014/main" id="{084D86A4-8841-C154-9AEC-EB173EEA5E92}"/>
               </a:ext>
             </a:extLst>
           </p:cNvPr>
@@ -2645,7 +2645,7 @@
           <p:cNvPr id="5" name="日期占位符 4">
             <a:extLst>
               <a:ext uri="{FF2B5EF4-FFF2-40B4-BE49-F238E27FC236}">
-                <a16:creationId xmlns:a16="http://schemas.microsoft.com/office/drawing/2014/main" id="{D6D96D2D-19D3-916B-B20C-7850AC5078F3}"/>
+                <a16:creationId xmlns:a16="http://schemas.microsoft.com/office/drawing/2014/main" id="{AF8DF731-F7FC-AB99-18E6-40A979994965}"/>
               </a:ext>
             </a:extLst>
           </p:cNvPr>
@@ -2661,7 +2661,7 @@
           <a:bodyPr/>
           <a:lstStyle/>
           <a:p>
-            <a:fld id="{4E290083-416E-4092-9F69-48441E2E783A}" type="datetimeFigureOut">
+            <a:fld id="{44C74DA7-3400-4742-8A36-3FECD35BFD80}" type="datetimeFigureOut">
               <a:rPr lang="zh-CN" altLang="en-US" smtClean="0"/>
               <a:t>2024/3/10</a:t>
             </a:fld>
@@ -2674,7 +2674,7 @@
           <p:cNvPr id="6" name="页脚占位符 5">
             <a:extLst>
               <a:ext uri="{FF2B5EF4-FFF2-40B4-BE49-F238E27FC236}">
-                <a16:creationId xmlns:a16="http://schemas.microsoft.com/office/drawing/2014/main" id="{79065DA8-79E1-59C6-1AB8-3E6FD8626F58}"/>
+                <a16:creationId xmlns:a16="http://schemas.microsoft.com/office/drawing/2014/main" id="{B3E57AC8-17E8-AFBA-B9BB-9E76FD513219}"/>
               </a:ext>
             </a:extLst>
           </p:cNvPr>
@@ -2699,7 +2699,7 @@
           <p:cNvPr id="7" name="灯片编号占位符 6">
             <a:extLst>
               <a:ext uri="{FF2B5EF4-FFF2-40B4-BE49-F238E27FC236}">
-                <a16:creationId xmlns:a16="http://schemas.microsoft.com/office/drawing/2014/main" id="{26B3CB94-D58D-0958-2AC7-E1126060CD1D}"/>
+                <a16:creationId xmlns:a16="http://schemas.microsoft.com/office/drawing/2014/main" id="{6045AE27-CE27-6544-4C9D-AE662913DD1A}"/>
               </a:ext>
             </a:extLst>
           </p:cNvPr>
@@ -2715,7 +2715,7 @@
           <a:bodyPr/>
           <a:lstStyle/>
           <a:p>
-            <a:fld id="{22493253-DBF4-4FE6-A5DB-55A94354690E}" type="slidenum">
+            <a:fld id="{7883F8F6-89D9-49D5-A01C-BD2062095CBE}" type="slidenum">
               <a:rPr lang="zh-CN" altLang="en-US" smtClean="0"/>
               <a:t>‹#›</a:t>
             </a:fld>
@@ -2726,7 +2726,7 @@
     </p:spTree>
     <p:extLst>
       <p:ext uri="{BB962C8B-B14F-4D97-AF65-F5344CB8AC3E}">
-        <p14:creationId xmlns:p14="http://schemas.microsoft.com/office/powerpoint/2010/main" val="3708404309"/>
+        <p14:creationId xmlns:p14="http://schemas.microsoft.com/office/powerpoint/2010/main" val="2670592860"/>
       </p:ext>
     </p:extLst>
   </p:cSld>
@@ -2763,7 +2763,7 @@
           <p:cNvPr id="2" name="标题占位符 1">
             <a:extLst>
               <a:ext uri="{FF2B5EF4-FFF2-40B4-BE49-F238E27FC236}">
-                <a16:creationId xmlns:a16="http://schemas.microsoft.com/office/drawing/2014/main" id="{2B824A35-33BB-2213-2BE0-8DDFC0C7CF3A}"/>
+                <a16:creationId xmlns:a16="http://schemas.microsoft.com/office/drawing/2014/main" id="{21FEBFD7-67E2-66BA-8D47-3F11B5C1FB68}"/>
               </a:ext>
             </a:extLst>
           </p:cNvPr>
@@ -2801,7 +2801,7 @@
           <p:cNvPr id="3" name="文本占位符 2">
             <a:extLst>
               <a:ext uri="{FF2B5EF4-FFF2-40B4-BE49-F238E27FC236}">
-                <a16:creationId xmlns:a16="http://schemas.microsoft.com/office/drawing/2014/main" id="{F5BAADFF-24FD-4CB7-34AC-7413CC5040AA}"/>
+                <a16:creationId xmlns:a16="http://schemas.microsoft.com/office/drawing/2014/main" id="{F99D1F42-83BD-0CD8-AC19-E6F7046F2E8F}"/>
               </a:ext>
             </a:extLst>
           </p:cNvPr>
@@ -2868,7 +2868,7 @@
           <p:cNvPr id="4" name="日期占位符 3">
             <a:extLst>
               <a:ext uri="{FF2B5EF4-FFF2-40B4-BE49-F238E27FC236}">
-                <a16:creationId xmlns:a16="http://schemas.microsoft.com/office/drawing/2014/main" id="{078A1202-BE28-8524-0619-A9D223E28F0F}"/>
+                <a16:creationId xmlns:a16="http://schemas.microsoft.com/office/drawing/2014/main" id="{49187CFC-3605-A6B2-9D62-4348BF5CC809}"/>
               </a:ext>
             </a:extLst>
           </p:cNvPr>
@@ -2902,7 +2902,7 @@
             </a:lvl1pPr>
           </a:lstStyle>
           <a:p>
-            <a:fld id="{4E290083-416E-4092-9F69-48441E2E783A}" type="datetimeFigureOut">
+            <a:fld id="{44C74DA7-3400-4742-8A36-3FECD35BFD80}" type="datetimeFigureOut">
               <a:rPr lang="zh-CN" altLang="en-US" smtClean="0"/>
               <a:t>2024/3/10</a:t>
             </a:fld>
@@ -2915,7 +2915,7 @@
           <p:cNvPr id="5" name="页脚占位符 4">
             <a:extLst>
               <a:ext uri="{FF2B5EF4-FFF2-40B4-BE49-F238E27FC236}">
-                <a16:creationId xmlns:a16="http://schemas.microsoft.com/office/drawing/2014/main" id="{90D3CC47-64F2-FC76-71F8-168AE7D10796}"/>
+                <a16:creationId xmlns:a16="http://schemas.microsoft.com/office/drawing/2014/main" id="{12C29443-2BA0-E62B-6928-02E39FA8DC07}"/>
               </a:ext>
             </a:extLst>
           </p:cNvPr>
@@ -2958,7 +2958,7 @@
           <p:cNvPr id="6" name="灯片编号占位符 5">
             <a:extLst>
               <a:ext uri="{FF2B5EF4-FFF2-40B4-BE49-F238E27FC236}">
-                <a16:creationId xmlns:a16="http://schemas.microsoft.com/office/drawing/2014/main" id="{DDF859BA-E822-F24E-DB7A-FD24C6E1DD62}"/>
+                <a16:creationId xmlns:a16="http://schemas.microsoft.com/office/drawing/2014/main" id="{7B18F8BF-7B2C-C312-C218-6A88346E1E57}"/>
               </a:ext>
             </a:extLst>
           </p:cNvPr>
@@ -2992,7 +2992,7 @@
             </a:lvl1pPr>
           </a:lstStyle>
           <a:p>
-            <a:fld id="{22493253-DBF4-4FE6-A5DB-55A94354690E}" type="slidenum">
+            <a:fld id="{7883F8F6-89D9-49D5-A01C-BD2062095CBE}" type="slidenum">
               <a:rPr lang="zh-CN" altLang="en-US" smtClean="0"/>
               <a:t>‹#›</a:t>
             </a:fld>
@@ -3003,7 +3003,7 @@
     </p:spTree>
     <p:extLst>
       <p:ext uri="{BB962C8B-B14F-4D97-AF65-F5344CB8AC3E}">
-        <p14:creationId xmlns:p14="http://schemas.microsoft.com/office/powerpoint/2010/main" val="731581381"/>
+        <p14:creationId xmlns:p14="http://schemas.microsoft.com/office/powerpoint/2010/main" val="327306061"/>
       </p:ext>
     </p:extLst>
   </p:cSld>
